--- a/working_documents/Presentation/Presentation.pptx
+++ b/working_documents/Presentation/Presentation.pptx
@@ -8,7 +8,10 @@
     <p:sldId id="256" r:id="rId2"/>
     <p:sldId id="257" r:id="rId3"/>
     <p:sldId id="258" r:id="rId4"/>
-    <p:sldId id="259" r:id="rId5"/>
+    <p:sldId id="260" r:id="rId5"/>
+    <p:sldId id="262" r:id="rId6"/>
+    <p:sldId id="261" r:id="rId7"/>
+    <p:sldId id="259" r:id="rId8"/>
   </p:sldIdLst>
   <p:sldSz cx="9144000" cy="6858000" type="screen4x3"/>
   <p:notesSz cx="6858000" cy="9144000"/>
@@ -496,7 +499,7 @@
             <a:fld id="{E637BB6B-EE1B-48FB-8575-0D55C373DE88}" type="datetimeFigureOut">
               <a:rPr lang="en-US" smtClean="0"/>
               <a:pPr eaLnBrk="1" latinLnBrk="0" hangingPunct="1"/>
-              <a:t>22/05/17</a:t>
+              <a:t>23/05/17</a:t>
             </a:fld>
             <a:endParaRPr lang="en-US"/>
           </a:p>
@@ -664,7 +667,7 @@
             <a:fld id="{E637BB6B-EE1B-48FB-8575-0D55C373DE88}" type="datetimeFigureOut">
               <a:rPr lang="en-US" smtClean="0"/>
               <a:pPr eaLnBrk="1" latinLnBrk="0" hangingPunct="1"/>
-              <a:t>22/05/17</a:t>
+              <a:t>23/05/17</a:t>
             </a:fld>
             <a:endParaRPr lang="en-US" dirty="0"/>
           </a:p>
@@ -842,7 +845,7 @@
             <a:fld id="{E637BB6B-EE1B-48FB-8575-0D55C373DE88}" type="datetimeFigureOut">
               <a:rPr lang="en-US" smtClean="0"/>
               <a:pPr eaLnBrk="1" latinLnBrk="0" hangingPunct="1"/>
-              <a:t>22/05/17</a:t>
+              <a:t>23/05/17</a:t>
             </a:fld>
             <a:endParaRPr lang="en-US"/>
           </a:p>
@@ -1014,7 +1017,7 @@
             <a:fld id="{E637BB6B-EE1B-48FB-8575-0D55C373DE88}" type="datetimeFigureOut">
               <a:rPr lang="en-US" smtClean="0"/>
               <a:pPr eaLnBrk="1" latinLnBrk="0" hangingPunct="1"/>
-              <a:t>22/05/17</a:t>
+              <a:t>23/05/17</a:t>
             </a:fld>
             <a:endParaRPr lang="en-US"/>
           </a:p>
@@ -1472,7 +1475,7 @@
             <a:fld id="{E637BB6B-EE1B-48FB-8575-0D55C373DE88}" type="datetimeFigureOut">
               <a:rPr lang="en-US" smtClean="0"/>
               <a:pPr eaLnBrk="1" latinLnBrk="0" hangingPunct="1"/>
-              <a:t>22/05/17</a:t>
+              <a:t>23/05/17</a:t>
             </a:fld>
             <a:endParaRPr lang="en-US"/>
           </a:p>
@@ -1739,7 +1742,7 @@
             <a:fld id="{E637BB6B-EE1B-48FB-8575-0D55C373DE88}" type="datetimeFigureOut">
               <a:rPr lang="en-US" smtClean="0"/>
               <a:pPr eaLnBrk="1" latinLnBrk="0" hangingPunct="1"/>
-              <a:t>22/05/17</a:t>
+              <a:t>23/05/17</a:t>
             </a:fld>
             <a:endParaRPr lang="en-US"/>
           </a:p>
@@ -2116,7 +2119,7 @@
             <a:fld id="{E637BB6B-EE1B-48FB-8575-0D55C373DE88}" type="datetimeFigureOut">
               <a:rPr lang="en-US" smtClean="0"/>
               <a:pPr eaLnBrk="1" latinLnBrk="0" hangingPunct="1"/>
-              <a:t>22/05/17</a:t>
+              <a:t>23/05/17</a:t>
             </a:fld>
             <a:endParaRPr lang="en-US"/>
           </a:p>
@@ -2241,7 +2244,7 @@
             <a:fld id="{E637BB6B-EE1B-48FB-8575-0D55C373DE88}" type="datetimeFigureOut">
               <a:rPr lang="en-US" smtClean="0"/>
               <a:pPr eaLnBrk="1" latinLnBrk="0" hangingPunct="1"/>
-              <a:t>22/05/17</a:t>
+              <a:t>23/05/17</a:t>
             </a:fld>
             <a:endParaRPr lang="en-US"/>
           </a:p>
@@ -2334,7 +2337,7 @@
             <a:fld id="{E637BB6B-EE1B-48FB-8575-0D55C373DE88}" type="datetimeFigureOut">
               <a:rPr lang="en-US" smtClean="0"/>
               <a:pPr eaLnBrk="1" latinLnBrk="0" hangingPunct="1"/>
-              <a:t>22/05/17</a:t>
+              <a:t>23/05/17</a:t>
             </a:fld>
             <a:endParaRPr lang="en-US"/>
           </a:p>
@@ -2586,7 +2589,7 @@
             <a:fld id="{E637BB6B-EE1B-48FB-8575-0D55C373DE88}" type="datetimeFigureOut">
               <a:rPr lang="en-US" smtClean="0"/>
               <a:pPr eaLnBrk="1" latinLnBrk="0" hangingPunct="1"/>
-              <a:t>22/05/17</a:t>
+              <a:t>23/05/17</a:t>
             </a:fld>
             <a:endParaRPr lang="en-US"/>
           </a:p>
@@ -2848,7 +2851,7 @@
             <a:fld id="{E637BB6B-EE1B-48FB-8575-0D55C373DE88}" type="datetimeFigureOut">
               <a:rPr lang="en-US" smtClean="0"/>
               <a:pPr eaLnBrk="1" latinLnBrk="0" hangingPunct="1"/>
-              <a:t>22/05/17</a:t>
+              <a:t>23/05/17</a:t>
             </a:fld>
             <a:endParaRPr lang="en-US"/>
           </a:p>
@@ -3255,7 +3258,7 @@
             <a:fld id="{E637BB6B-EE1B-48FB-8575-0D55C373DE88}" type="datetimeFigureOut">
               <a:rPr lang="en-US" smtClean="0"/>
               <a:pPr eaLnBrk="1" latinLnBrk="0" hangingPunct="1"/>
-              <a:t>22/05/17</a:t>
+              <a:t>23/05/17</a:t>
             </a:fld>
             <a:endParaRPr lang="en-US" sz="1000">
               <a:solidFill>
@@ -3710,12 +3713,38 @@
         </p:nvSpPr>
         <p:spPr/>
         <p:txBody>
-          <a:bodyPr/>
-          <a:lstStyle/>
+          <a:bodyPr>
+            <a:normAutofit lnSpcReduction="10000"/>
+          </a:bodyPr>
+          <a:lstStyle/>
+          <a:p>
+            <a:endParaRPr lang="en-US" dirty="0" smtClean="0"/>
+          </a:p>
           <a:p>
             <a:r>
               <a:rPr lang="en-US" dirty="0" smtClean="0"/>
-              <a:t>Web presence and code fair promotion</a:t>
+              <a:t>Joshua Bauer and Kris </a:t>
+            </a:r>
+            <a:r>
+              <a:rPr lang="en-US" dirty="0" err="1" smtClean="0"/>
+              <a:t>Bebbington</a:t>
+            </a:r>
+            <a:endParaRPr lang="en-US" dirty="0" smtClean="0"/>
+          </a:p>
+          <a:p>
+            <a:endParaRPr lang="en-US" dirty="0"/>
+          </a:p>
+          <a:p>
+            <a:endParaRPr lang="en-US" dirty="0" smtClean="0"/>
+          </a:p>
+          <a:p>
+            <a:r>
+              <a:rPr lang="en-US" dirty="0" smtClean="0"/>
+              <a:t>Web </a:t>
+            </a:r>
+            <a:r>
+              <a:rPr lang="en-US" dirty="0" smtClean="0"/>
+              <a:t>presence and code fair promotion</a:t>
             </a:r>
             <a:endParaRPr lang="en-US" dirty="0"/>
           </a:p>
@@ -3912,6 +3941,456 @@
           <a:p>
             <a:r>
               <a:rPr lang="en-US" dirty="0" smtClean="0"/>
+              <a:t>Technical Detail</a:t>
+            </a:r>
+            <a:endParaRPr lang="en-US" dirty="0"/>
+          </a:p>
+        </p:txBody>
+      </p:sp>
+      <p:sp>
+        <p:nvSpPr>
+          <p:cNvPr id="3" name="Content Placeholder 2"/>
+          <p:cNvSpPr>
+            <a:spLocks noGrp="1"/>
+          </p:cNvSpPr>
+          <p:nvPr>
+            <p:ph idx="1"/>
+          </p:nvPr>
+        </p:nvSpPr>
+        <p:spPr/>
+        <p:txBody>
+          <a:bodyPr/>
+          <a:lstStyle/>
+          <a:p>
+            <a:r>
+              <a:rPr lang="en-US" dirty="0" smtClean="0"/>
+              <a:t>Progressive Enhancement</a:t>
+            </a:r>
+          </a:p>
+          <a:p>
+            <a:endParaRPr lang="en-US" dirty="0" smtClean="0"/>
+          </a:p>
+          <a:p>
+            <a:endParaRPr lang="en-US" dirty="0"/>
+          </a:p>
+          <a:p>
+            <a:endParaRPr lang="en-US" dirty="0" smtClean="0"/>
+          </a:p>
+          <a:p>
+            <a:endParaRPr lang="en-US" dirty="0"/>
+          </a:p>
+          <a:p>
+            <a:endParaRPr lang="en-US" dirty="0" smtClean="0"/>
+          </a:p>
+          <a:p>
+            <a:r>
+              <a:rPr lang="en-US" dirty="0" smtClean="0"/>
+              <a:t>JavaScript simple and effective</a:t>
+            </a:r>
+          </a:p>
+          <a:p>
+            <a:endParaRPr lang="en-US" dirty="0" smtClean="0"/>
+          </a:p>
+        </p:txBody>
+      </p:sp>
+      <p:pic>
+        <p:nvPicPr>
+          <p:cNvPr id="4" name="Picture 3" descr="m-m.jpg"/>
+          <p:cNvPicPr>
+            <a:picLocks noChangeAspect="1"/>
+          </p:cNvPicPr>
+          <p:nvPr/>
+        </p:nvPicPr>
+        <p:blipFill>
+          <a:blip r:embed="rId2">
+            <a:extLst>
+              <a:ext uri="{28A0092B-C50C-407E-A947-70E740481C1C}">
+                <a14:useLocalDpi xmlns:a14="http://schemas.microsoft.com/office/drawing/2010/main" val="0"/>
+              </a:ext>
+            </a:extLst>
+          </a:blip>
+          <a:stretch>
+            <a:fillRect/>
+          </a:stretch>
+        </p:blipFill>
+        <p:spPr>
+          <a:xfrm>
+            <a:off x="2147522" y="2303335"/>
+            <a:ext cx="4925887" cy="2280503"/>
+          </a:xfrm>
+          <a:prstGeom prst="rect">
+            <a:avLst/>
+          </a:prstGeom>
+        </p:spPr>
+      </p:pic>
+      <p:sp>
+        <p:nvSpPr>
+          <p:cNvPr id="5" name="TextBox 4"/>
+          <p:cNvSpPr txBox="1"/>
+          <p:nvPr/>
+        </p:nvSpPr>
+        <p:spPr>
+          <a:xfrm>
+            <a:off x="4881064" y="6486331"/>
+            <a:ext cx="4072412" cy="230832"/>
+          </a:xfrm>
+          <a:prstGeom prst="rect">
+            <a:avLst/>
+          </a:prstGeom>
+          <a:noFill/>
+        </p:spPr>
+        <p:txBody>
+          <a:bodyPr wrap="none" rtlCol="0">
+            <a:spAutoFit/>
+          </a:bodyPr>
+          <a:lstStyle/>
+          <a:p>
+            <a:r>
+              <a:rPr lang="en-US" sz="900" dirty="0"/>
+              <a:t>Picture: https://</a:t>
+            </a:r>
+            <a:r>
+              <a:rPr lang="en-US" sz="900" dirty="0" err="1"/>
+              <a:t>alistapart.com</a:t>
+            </a:r>
+            <a:r>
+              <a:rPr lang="en-US" sz="900" dirty="0"/>
+              <a:t>/article/</a:t>
+            </a:r>
+            <a:r>
+              <a:rPr lang="en-US" sz="900" dirty="0" err="1"/>
+              <a:t>understandingprogressiveenhancement</a:t>
+            </a:r>
+            <a:endParaRPr lang="en-US" sz="900" dirty="0"/>
+          </a:p>
+        </p:txBody>
+      </p:sp>
+    </p:spTree>
+    <p:extLst>
+      <p:ext uri="{BB962C8B-B14F-4D97-AF65-F5344CB8AC3E}">
+        <p14:creationId xmlns:p14="http://schemas.microsoft.com/office/powerpoint/2010/main" val="424360351"/>
+      </p:ext>
+    </p:extLst>
+  </p:cSld>
+  <p:clrMapOvr>
+    <a:masterClrMapping/>
+  </p:clrMapOvr>
+</p:sld>
+</file>
+
+<file path=ppt/slides/slide5.xml><?xml version="1.0" encoding="utf-8"?>
+<p:sld xmlns:a="http://schemas.openxmlformats.org/drawingml/2006/main" xmlns:r="http://schemas.openxmlformats.org/officeDocument/2006/relationships" xmlns:p="http://schemas.openxmlformats.org/presentationml/2006/main">
+  <p:cSld>
+    <p:spTree>
+      <p:nvGrpSpPr>
+        <p:cNvPr id="1" name=""/>
+        <p:cNvGrpSpPr/>
+        <p:nvPr/>
+      </p:nvGrpSpPr>
+      <p:grpSpPr>
+        <a:xfrm>
+          <a:off x="0" y="0"/>
+          <a:ext cx="0" cy="0"/>
+          <a:chOff x="0" y="0"/>
+          <a:chExt cx="0" cy="0"/>
+        </a:xfrm>
+      </p:grpSpPr>
+      <p:sp>
+        <p:nvSpPr>
+          <p:cNvPr id="2" name="Title 1"/>
+          <p:cNvSpPr>
+            <a:spLocks noGrp="1"/>
+          </p:cNvSpPr>
+          <p:nvPr>
+            <p:ph type="title"/>
+          </p:nvPr>
+        </p:nvSpPr>
+        <p:spPr/>
+        <p:txBody>
+          <a:bodyPr/>
+          <a:lstStyle/>
+          <a:p>
+            <a:r>
+              <a:rPr lang="en-US" dirty="0"/>
+              <a:t>Technical </a:t>
+            </a:r>
+            <a:r>
+              <a:rPr lang="en-US" dirty="0" smtClean="0"/>
+              <a:t>Detail Continued</a:t>
+            </a:r>
+            <a:endParaRPr lang="en-US" dirty="0"/>
+          </a:p>
+        </p:txBody>
+      </p:sp>
+      <p:sp>
+        <p:nvSpPr>
+          <p:cNvPr id="3" name="Content Placeholder 2"/>
+          <p:cNvSpPr>
+            <a:spLocks noGrp="1"/>
+          </p:cNvSpPr>
+          <p:nvPr>
+            <p:ph idx="1"/>
+          </p:nvPr>
+        </p:nvSpPr>
+        <p:spPr/>
+        <p:txBody>
+          <a:bodyPr/>
+          <a:lstStyle/>
+          <a:p>
+            <a:r>
+              <a:rPr lang="en-US" dirty="0" err="1"/>
+              <a:t>PureCSS</a:t>
+            </a:r>
+            <a:r>
+              <a:rPr lang="en-US" dirty="0"/>
+              <a:t>, base </a:t>
+            </a:r>
+            <a:r>
+              <a:rPr lang="en-US" dirty="0" err="1" smtClean="0"/>
+              <a:t>Stylesheet</a:t>
+            </a:r>
+            <a:endParaRPr lang="en-US" dirty="0" smtClean="0"/>
+          </a:p>
+          <a:p>
+            <a:r>
+              <a:rPr lang="en-US" dirty="0" smtClean="0"/>
+              <a:t>Made a few adjustments</a:t>
+            </a:r>
+          </a:p>
+          <a:p>
+            <a:endParaRPr lang="en-US" dirty="0"/>
+          </a:p>
+          <a:p>
+            <a:endParaRPr lang="en-US" dirty="0"/>
+          </a:p>
+        </p:txBody>
+      </p:sp>
+      <p:pic>
+        <p:nvPicPr>
+          <p:cNvPr id="4" name="Picture 3" descr="layout-icon.jpg"/>
+          <p:cNvPicPr>
+            <a:picLocks noChangeAspect="1"/>
+          </p:cNvPicPr>
+          <p:nvPr/>
+        </p:nvPicPr>
+        <p:blipFill>
+          <a:blip r:embed="rId2">
+            <a:extLst>
+              <a:ext uri="{28A0092B-C50C-407E-A947-70E740481C1C}">
+                <a14:useLocalDpi xmlns:a14="http://schemas.microsoft.com/office/drawing/2010/main" val="0"/>
+              </a:ext>
+            </a:extLst>
+          </a:blip>
+          <a:stretch>
+            <a:fillRect/>
+          </a:stretch>
+        </p:blipFill>
+        <p:spPr>
+          <a:xfrm>
+            <a:off x="1168349" y="2750021"/>
+            <a:ext cx="5887091" cy="3599361"/>
+          </a:xfrm>
+          <a:prstGeom prst="rect">
+            <a:avLst/>
+          </a:prstGeom>
+          <a:ln>
+            <a:solidFill>
+              <a:srgbClr val="6EA0B0"/>
+            </a:solidFill>
+          </a:ln>
+        </p:spPr>
+      </p:pic>
+      <p:sp>
+        <p:nvSpPr>
+          <p:cNvPr id="5" name="TextBox 4"/>
+          <p:cNvSpPr txBox="1"/>
+          <p:nvPr/>
+        </p:nvSpPr>
+        <p:spPr>
+          <a:xfrm>
+            <a:off x="7347451" y="6486331"/>
+            <a:ext cx="1480450" cy="230832"/>
+          </a:xfrm>
+          <a:prstGeom prst="rect">
+            <a:avLst/>
+          </a:prstGeom>
+          <a:noFill/>
+        </p:spPr>
+        <p:txBody>
+          <a:bodyPr wrap="none" rtlCol="0">
+            <a:spAutoFit/>
+          </a:bodyPr>
+          <a:lstStyle/>
+          <a:p>
+            <a:r>
+              <a:rPr lang="en-US" sz="900" dirty="0"/>
+              <a:t>Picture: https://</a:t>
+            </a:r>
+            <a:r>
+              <a:rPr lang="en-US" sz="900" dirty="0" err="1"/>
+              <a:t>purecss.io</a:t>
+            </a:r>
+            <a:endParaRPr lang="en-US" sz="900" dirty="0"/>
+          </a:p>
+        </p:txBody>
+      </p:sp>
+    </p:spTree>
+    <p:extLst>
+      <p:ext uri="{BB962C8B-B14F-4D97-AF65-F5344CB8AC3E}">
+        <p14:creationId xmlns:p14="http://schemas.microsoft.com/office/powerpoint/2010/main" val="3265420857"/>
+      </p:ext>
+    </p:extLst>
+  </p:cSld>
+  <p:clrMapOvr>
+    <a:masterClrMapping/>
+  </p:clrMapOvr>
+</p:sld>
+</file>
+
+<file path=ppt/slides/slide6.xml><?xml version="1.0" encoding="utf-8"?>
+<p:sld xmlns:a="http://schemas.openxmlformats.org/drawingml/2006/main" xmlns:r="http://schemas.openxmlformats.org/officeDocument/2006/relationships" xmlns:p="http://schemas.openxmlformats.org/presentationml/2006/main">
+  <p:cSld>
+    <p:spTree>
+      <p:nvGrpSpPr>
+        <p:cNvPr id="1" name=""/>
+        <p:cNvGrpSpPr/>
+        <p:nvPr/>
+      </p:nvGrpSpPr>
+      <p:grpSpPr>
+        <a:xfrm>
+          <a:off x="0" y="0"/>
+          <a:ext cx="0" cy="0"/>
+          <a:chOff x="0" y="0"/>
+          <a:chExt cx="0" cy="0"/>
+        </a:xfrm>
+      </p:grpSpPr>
+      <p:sp>
+        <p:nvSpPr>
+          <p:cNvPr id="2" name="Title 1"/>
+          <p:cNvSpPr>
+            <a:spLocks noGrp="1"/>
+          </p:cNvSpPr>
+          <p:nvPr>
+            <p:ph type="title"/>
+          </p:nvPr>
+        </p:nvSpPr>
+        <p:spPr/>
+        <p:txBody>
+          <a:bodyPr/>
+          <a:lstStyle/>
+          <a:p>
+            <a:r>
+              <a:rPr lang="en-US" dirty="0" smtClean="0"/>
+              <a:t>JavaScript</a:t>
+            </a:r>
+            <a:endParaRPr lang="en-US" dirty="0"/>
+          </a:p>
+        </p:txBody>
+      </p:sp>
+      <p:sp>
+        <p:nvSpPr>
+          <p:cNvPr id="3" name="Content Placeholder 2"/>
+          <p:cNvSpPr>
+            <a:spLocks noGrp="1"/>
+          </p:cNvSpPr>
+          <p:nvPr>
+            <p:ph idx="1"/>
+          </p:nvPr>
+        </p:nvSpPr>
+        <p:spPr/>
+        <p:txBody>
+          <a:bodyPr/>
+          <a:lstStyle/>
+          <a:p>
+            <a:r>
+              <a:rPr lang="en-US" dirty="0" err="1" smtClean="0"/>
+              <a:t>jQuery</a:t>
+            </a:r>
+            <a:r>
+              <a:rPr lang="en-US" dirty="0" smtClean="0"/>
+              <a:t> Form Validator</a:t>
+            </a:r>
+          </a:p>
+          <a:p>
+            <a:endParaRPr lang="en-US" dirty="0" smtClean="0"/>
+          </a:p>
+          <a:p>
+            <a:r>
+              <a:rPr lang="en-US" dirty="0" smtClean="0"/>
+              <a:t>Pure JavaScript Modal</a:t>
+            </a:r>
+          </a:p>
+          <a:p>
+            <a:endParaRPr lang="en-US" dirty="0" smtClean="0"/>
+          </a:p>
+          <a:p>
+            <a:r>
+              <a:rPr lang="en-US" dirty="0" err="1" smtClean="0"/>
+              <a:t>PhotoSwipe</a:t>
+            </a:r>
+            <a:r>
+              <a:rPr lang="en-US" dirty="0" smtClean="0"/>
+              <a:t> (</a:t>
+            </a:r>
+            <a:r>
+              <a:rPr lang="en-US" dirty="0" err="1" smtClean="0"/>
+              <a:t>jQuery</a:t>
+            </a:r>
+            <a:r>
+              <a:rPr lang="en-US" dirty="0" smtClean="0"/>
+              <a:t>)</a:t>
+            </a:r>
+            <a:endParaRPr lang="en-US" dirty="0"/>
+          </a:p>
+        </p:txBody>
+      </p:sp>
+    </p:spTree>
+    <p:extLst>
+      <p:ext uri="{BB962C8B-B14F-4D97-AF65-F5344CB8AC3E}">
+        <p14:creationId xmlns:p14="http://schemas.microsoft.com/office/powerpoint/2010/main" val="4131813416"/>
+      </p:ext>
+    </p:extLst>
+  </p:cSld>
+  <p:clrMapOvr>
+    <a:masterClrMapping/>
+  </p:clrMapOvr>
+</p:sld>
+</file>
+
+<file path=ppt/slides/slide7.xml><?xml version="1.0" encoding="utf-8"?>
+<p:sld xmlns:a="http://schemas.openxmlformats.org/drawingml/2006/main" xmlns:r="http://schemas.openxmlformats.org/officeDocument/2006/relationships" xmlns:p="http://schemas.openxmlformats.org/presentationml/2006/main">
+  <p:cSld>
+    <p:spTree>
+      <p:nvGrpSpPr>
+        <p:cNvPr id="1" name=""/>
+        <p:cNvGrpSpPr/>
+        <p:nvPr/>
+      </p:nvGrpSpPr>
+      <p:grpSpPr>
+        <a:xfrm>
+          <a:off x="0" y="0"/>
+          <a:ext cx="0" cy="0"/>
+          <a:chOff x="0" y="0"/>
+          <a:chExt cx="0" cy="0"/>
+        </a:xfrm>
+      </p:grpSpPr>
+      <p:sp>
+        <p:nvSpPr>
+          <p:cNvPr id="2" name="Title 1"/>
+          <p:cNvSpPr>
+            <a:spLocks noGrp="1"/>
+          </p:cNvSpPr>
+          <p:nvPr>
+            <p:ph type="title"/>
+          </p:nvPr>
+        </p:nvSpPr>
+        <p:spPr/>
+        <p:txBody>
+          <a:bodyPr/>
+          <a:lstStyle/>
+          <a:p>
+            <a:r>
+              <a:rPr lang="en-US" dirty="0" smtClean="0"/>
               <a:t>Site Demo</a:t>
             </a:r>
             <a:endParaRPr lang="en-US" dirty="0"/>
@@ -3920,12 +4399,12 @@
       </p:sp>
       <p:sp>
         <p:nvSpPr>
-          <p:cNvPr id="3" name="Content Placeholder 2"/>
-          <p:cNvSpPr>
-            <a:spLocks noGrp="1"/>
-          </p:cNvSpPr>
-          <p:nvPr>
-            <p:ph idx="1"/>
+          <p:cNvPr id="4" name="Text Placeholder 3"/>
+          <p:cNvSpPr>
+            <a:spLocks noGrp="1"/>
+          </p:cNvSpPr>
+          <p:nvPr>
+            <p:ph type="body" idx="1"/>
           </p:nvPr>
         </p:nvSpPr>
         <p:spPr/>

--- a/working_documents/Presentation/Presentation.pptx
+++ b/working_documents/Presentation/Presentation.pptx
@@ -110,6 +110,22 @@
       </a:defRPr>
     </a:lvl9pPr>
   </p:defaultTextStyle>
+  <p:extLst>
+    <p:ext uri="{EFAFB233-063F-42B5-8137-9DF3F51BA10A}">
+      <p15:sldGuideLst xmlns:p15="http://schemas.microsoft.com/office/powerpoint/2012/main">
+        <p15:guide id="1" orient="horz" pos="2160">
+          <p15:clr>
+            <a:srgbClr val="A4A3A4"/>
+          </p15:clr>
+        </p15:guide>
+        <p15:guide id="2" pos="2880">
+          <p15:clr>
+            <a:srgbClr val="A4A3A4"/>
+          </p15:clr>
+        </p15:guide>
+      </p15:sldGuideLst>
+    </p:ext>
+  </p:extLst>
 </p:presentation>
 </file>
 
@@ -499,7 +515,7 @@
             <a:fld id="{E637BB6B-EE1B-48FB-8575-0D55C373DE88}" type="datetimeFigureOut">
               <a:rPr lang="en-US" smtClean="0"/>
               <a:pPr eaLnBrk="1" latinLnBrk="0" hangingPunct="1"/>
-              <a:t>23/05/17</a:t>
+              <a:t>5/23/17</a:t>
             </a:fld>
             <a:endParaRPr lang="en-US"/>
           </a:p>
@@ -667,7 +683,7 @@
             <a:fld id="{E637BB6B-EE1B-48FB-8575-0D55C373DE88}" type="datetimeFigureOut">
               <a:rPr lang="en-US" smtClean="0"/>
               <a:pPr eaLnBrk="1" latinLnBrk="0" hangingPunct="1"/>
-              <a:t>23/05/17</a:t>
+              <a:t>5/23/17</a:t>
             </a:fld>
             <a:endParaRPr lang="en-US" dirty="0"/>
           </a:p>
@@ -845,7 +861,7 @@
             <a:fld id="{E637BB6B-EE1B-48FB-8575-0D55C373DE88}" type="datetimeFigureOut">
               <a:rPr lang="en-US" smtClean="0"/>
               <a:pPr eaLnBrk="1" latinLnBrk="0" hangingPunct="1"/>
-              <a:t>23/05/17</a:t>
+              <a:t>5/23/17</a:t>
             </a:fld>
             <a:endParaRPr lang="en-US"/>
           </a:p>
@@ -1017,7 +1033,7 @@
             <a:fld id="{E637BB6B-EE1B-48FB-8575-0D55C373DE88}" type="datetimeFigureOut">
               <a:rPr lang="en-US" smtClean="0"/>
               <a:pPr eaLnBrk="1" latinLnBrk="0" hangingPunct="1"/>
-              <a:t>23/05/17</a:t>
+              <a:t>5/23/17</a:t>
             </a:fld>
             <a:endParaRPr lang="en-US"/>
           </a:p>
@@ -1475,7 +1491,7 @@
             <a:fld id="{E637BB6B-EE1B-48FB-8575-0D55C373DE88}" type="datetimeFigureOut">
               <a:rPr lang="en-US" smtClean="0"/>
               <a:pPr eaLnBrk="1" latinLnBrk="0" hangingPunct="1"/>
-              <a:t>23/05/17</a:t>
+              <a:t>5/23/17</a:t>
             </a:fld>
             <a:endParaRPr lang="en-US"/>
           </a:p>
@@ -1742,7 +1758,7 @@
             <a:fld id="{E637BB6B-EE1B-48FB-8575-0D55C373DE88}" type="datetimeFigureOut">
               <a:rPr lang="en-US" smtClean="0"/>
               <a:pPr eaLnBrk="1" latinLnBrk="0" hangingPunct="1"/>
-              <a:t>23/05/17</a:t>
+              <a:t>5/23/17</a:t>
             </a:fld>
             <a:endParaRPr lang="en-US"/>
           </a:p>
@@ -2119,7 +2135,7 @@
             <a:fld id="{E637BB6B-EE1B-48FB-8575-0D55C373DE88}" type="datetimeFigureOut">
               <a:rPr lang="en-US" smtClean="0"/>
               <a:pPr eaLnBrk="1" latinLnBrk="0" hangingPunct="1"/>
-              <a:t>23/05/17</a:t>
+              <a:t>5/23/17</a:t>
             </a:fld>
             <a:endParaRPr lang="en-US"/>
           </a:p>
@@ -2244,7 +2260,7 @@
             <a:fld id="{E637BB6B-EE1B-48FB-8575-0D55C373DE88}" type="datetimeFigureOut">
               <a:rPr lang="en-US" smtClean="0"/>
               <a:pPr eaLnBrk="1" latinLnBrk="0" hangingPunct="1"/>
-              <a:t>23/05/17</a:t>
+              <a:t>5/23/17</a:t>
             </a:fld>
             <a:endParaRPr lang="en-US"/>
           </a:p>
@@ -2337,7 +2353,7 @@
             <a:fld id="{E637BB6B-EE1B-48FB-8575-0D55C373DE88}" type="datetimeFigureOut">
               <a:rPr lang="en-US" smtClean="0"/>
               <a:pPr eaLnBrk="1" latinLnBrk="0" hangingPunct="1"/>
-              <a:t>23/05/17</a:t>
+              <a:t>5/23/17</a:t>
             </a:fld>
             <a:endParaRPr lang="en-US"/>
           </a:p>
@@ -2589,7 +2605,7 @@
             <a:fld id="{E637BB6B-EE1B-48FB-8575-0D55C373DE88}" type="datetimeFigureOut">
               <a:rPr lang="en-US" smtClean="0"/>
               <a:pPr eaLnBrk="1" latinLnBrk="0" hangingPunct="1"/>
-              <a:t>23/05/17</a:t>
+              <a:t>5/23/17</a:t>
             </a:fld>
             <a:endParaRPr lang="en-US"/>
           </a:p>
@@ -2851,7 +2867,7 @@
             <a:fld id="{E637BB6B-EE1B-48FB-8575-0D55C373DE88}" type="datetimeFigureOut">
               <a:rPr lang="en-US" smtClean="0"/>
               <a:pPr eaLnBrk="1" latinLnBrk="0" hangingPunct="1"/>
-              <a:t>23/05/17</a:t>
+              <a:t>5/23/17</a:t>
             </a:fld>
             <a:endParaRPr lang="en-US"/>
           </a:p>
@@ -3258,7 +3274,7 @@
             <a:fld id="{E637BB6B-EE1B-48FB-8575-0D55C373DE88}" type="datetimeFigureOut">
               <a:rPr lang="en-US" smtClean="0"/>
               <a:pPr eaLnBrk="1" latinLnBrk="0" hangingPunct="1"/>
-              <a:t>23/05/17</a:t>
+              <a:t>5/23/17</a:t>
             </a:fld>
             <a:endParaRPr lang="en-US" sz="1000">
               <a:solidFill>
@@ -3740,11 +3756,7 @@
           <a:p>
             <a:r>
               <a:rPr lang="en-US" dirty="0" smtClean="0"/>
-              <a:t>Web </a:t>
-            </a:r>
-            <a:r>
-              <a:rPr lang="en-US" dirty="0" smtClean="0"/>
-              <a:t>presence and code fair promotion</a:t>
+              <a:t>Web presence and code fair promotion</a:t>
             </a:r>
             <a:endParaRPr lang="en-US" dirty="0"/>
           </a:p>
@@ -3818,7 +3830,58 @@
           <a:bodyPr/>
           <a:lstStyle/>
           <a:p>
-            <a:endParaRPr lang="en-US"/>
+            <a:r>
+              <a:rPr lang="en-US" dirty="0" smtClean="0"/>
+              <a:t>Competitor Benchmarking</a:t>
+            </a:r>
+          </a:p>
+          <a:p>
+            <a:r>
+              <a:rPr lang="en-US" dirty="0" smtClean="0"/>
+              <a:t>User Analysis</a:t>
+            </a:r>
+          </a:p>
+          <a:p>
+            <a:r>
+              <a:rPr lang="en-US" dirty="0" smtClean="0"/>
+              <a:t>Design documentation / prototyping</a:t>
+            </a:r>
+          </a:p>
+          <a:p>
+            <a:pPr lvl="1"/>
+            <a:r>
+              <a:rPr lang="en-US" dirty="0" smtClean="0"/>
+              <a:t>Content inventory</a:t>
+            </a:r>
+          </a:p>
+          <a:p>
+            <a:pPr lvl="1"/>
+            <a:r>
+              <a:rPr lang="en-US" dirty="0" smtClean="0"/>
+              <a:t>Site Map</a:t>
+            </a:r>
+          </a:p>
+          <a:p>
+            <a:pPr lvl="1"/>
+            <a:r>
+              <a:rPr lang="en-US" dirty="0" smtClean="0"/>
+              <a:t>Navigation</a:t>
+            </a:r>
+          </a:p>
+          <a:p>
+            <a:r>
+              <a:rPr lang="en-US" dirty="0" smtClean="0"/>
+              <a:t>User Testing </a:t>
+            </a:r>
+          </a:p>
+          <a:p>
+            <a:r>
+              <a:rPr lang="en-US" dirty="0" smtClean="0"/>
+              <a:t>Additional features / refine code</a:t>
+            </a:r>
+          </a:p>
+          <a:p>
+            <a:endParaRPr lang="en-US" dirty="0"/>
           </a:p>
         </p:txBody>
       </p:sp>
@@ -3890,7 +3953,38 @@
           <a:bodyPr/>
           <a:lstStyle/>
           <a:p>
-            <a:endParaRPr lang="en-US"/>
+            <a:r>
+              <a:rPr lang="en-US" dirty="0" smtClean="0"/>
+              <a:t>Agile / sprints</a:t>
+            </a:r>
+          </a:p>
+          <a:p>
+            <a:r>
+              <a:rPr lang="en-US" dirty="0" smtClean="0"/>
+              <a:t>GitHub</a:t>
+            </a:r>
+          </a:p>
+          <a:p>
+            <a:pPr lvl="1"/>
+            <a:r>
+              <a:rPr lang="en-US" dirty="0" smtClean="0"/>
+              <a:t>Issues</a:t>
+            </a:r>
+          </a:p>
+          <a:p>
+            <a:pPr lvl="1"/>
+            <a:r>
+              <a:rPr lang="en-US" dirty="0" smtClean="0"/>
+              <a:t>Milestones</a:t>
+            </a:r>
+          </a:p>
+          <a:p>
+            <a:pPr lvl="1"/>
+            <a:r>
+              <a:rPr lang="en-US" smtClean="0"/>
+              <a:t>Agile project board</a:t>
+            </a:r>
+            <a:endParaRPr lang="en-US" dirty="0"/>
           </a:p>
         </p:txBody>
       </p:sp>
